--- a/introduction.pptx
+++ b/introduction.pptx
@@ -4578,7 +4578,11 @@
         <a:p>
           <a:r>
             <a:rPr lang="en-US" dirty="0" smtClean="0"/>
-            <a:t>Twitter: Jicheng Hu</a:t>
+            <a:t>Twitter: </a:t>
+          </a:r>
+          <a:r>
+            <a:rPr lang="en-US" dirty="0" smtClean="0"/>
+            <a:t>…</a:t>
           </a:r>
           <a:endParaRPr lang="en-US" dirty="0"/>
         </a:p>
@@ -4619,7 +4623,7 @@
           </a:r>
           <a:r>
             <a:rPr lang="en-US" altLang="zh-CN" dirty="0" smtClean="0"/>
-            <a:t>Jicheng Hu</a:t>
+            <a:t>…</a:t>
           </a:r>
           <a:endParaRPr lang="en-US" dirty="0"/>
         </a:p>
@@ -4738,11 +4742,7 @@
         <a:p>
           <a:r>
             <a:rPr lang="en-US" dirty="0" smtClean="0"/>
-            <a:t>Study </a:t>
-          </a:r>
-          <a:r>
-            <a:rPr lang="en-US" dirty="0" smtClean="0"/>
-            <a:t>groups: big plus!</a:t>
+            <a:t>Study groups: big plus!</a:t>
           </a:r>
           <a:endParaRPr lang="en-US" dirty="0"/>
         </a:p>
@@ -4832,11 +4832,7 @@
         <a:p>
           <a:r>
             <a:rPr lang="en-US" dirty="0" smtClean="0"/>
-            <a:t>Collaboration </a:t>
-          </a:r>
-          <a:r>
-            <a:rPr lang="en-US" dirty="0" smtClean="0"/>
-            <a:t>tool: </a:t>
+            <a:t>Collaboration tool: </a:t>
           </a:r>
           <a:r>
             <a:rPr lang="en-US" altLang="zh-CN" dirty="0" err="1" smtClean="0"/>
@@ -5144,32 +5140,32 @@
     </dgm:pt>
   </dgm:ptLst>
   <dgm:cxnLst>
-    <dgm:cxn modelId="{F2587B56-D314-43EC-ABCB-84C77D61FDDA}" type="presOf" srcId="{911EC251-C7E4-4814-90D4-8D36FE8DEC24}" destId="{BB857315-7C35-4D47-8535-974ED697CCEF}" srcOrd="1" destOrd="0" presId="urn:microsoft.com/office/officeart/2005/8/layout/lProcess2"/>
+    <dgm:cxn modelId="{660195D4-96BD-4EE8-A65E-0ACF0BCB93F6}" srcId="{C1DF2E0B-F034-409C-97BE-B1E077D0166A}" destId="{D7533782-3A8A-442A-9F24-8DC26FC5B3E3}" srcOrd="1" destOrd="0" parTransId="{2779A0B4-ABB2-4420-936D-036EE033A6B5}" sibTransId="{0B0434F5-F6FF-4749-8332-5CE2942EF69F}"/>
+    <dgm:cxn modelId="{90B25311-0A64-41C9-A79C-41BA8BE636D5}" type="presOf" srcId="{D7533782-3A8A-442A-9F24-8DC26FC5B3E3}" destId="{FE3E8C9E-4E0C-48C9-B969-45E913CB4CB6}" srcOrd="0" destOrd="0" presId="urn:microsoft.com/office/officeart/2005/8/layout/lProcess2"/>
+    <dgm:cxn modelId="{9E99BB4A-64AC-4D27-BAFD-B1775DD4D8D0}" type="presOf" srcId="{C22B14A1-CEB5-4C85-A079-329A0D631FC4}" destId="{E864E8C5-2AF8-4B2A-8FB7-8D60286472A2}" srcOrd="0" destOrd="0" presId="urn:microsoft.com/office/officeart/2005/8/layout/lProcess2"/>
     <dgm:cxn modelId="{28D005C6-4C20-4BE6-894F-D3B082F63438}" srcId="{911EC251-C7E4-4814-90D4-8D36FE8DEC24}" destId="{39865F2F-A0A2-4069-A0A8-DBD105077B60}" srcOrd="1" destOrd="0" parTransId="{258E8A36-BBB7-4C89-BC2C-F3F74D59EC28}" sibTransId="{84624615-77BD-49D7-9881-B60A734482E2}"/>
+    <dgm:cxn modelId="{7A14992B-7E79-4D53-AE68-00258322CAF4}" type="presOf" srcId="{3685198B-5321-4885-BEE2-2A3D6DA5B4A6}" destId="{73EF77D7-714B-46AC-B791-77FB73C27C85}" srcOrd="0" destOrd="0" presId="urn:microsoft.com/office/officeart/2005/8/layout/lProcess2"/>
+    <dgm:cxn modelId="{3AEF1512-85D4-4F38-A0AE-869032ED7E2F}" type="presOf" srcId="{81964A11-60E0-48D1-9D32-82C50FF38D21}" destId="{0E7A83FE-A83D-4D37-BD58-B3BE98109EBF}" srcOrd="0" destOrd="0" presId="urn:microsoft.com/office/officeart/2005/8/layout/lProcess2"/>
+    <dgm:cxn modelId="{B1E3CED7-9BA3-46F5-8CFD-59B6546AA29A}" type="presOf" srcId="{452B5EB4-6ED7-4FA8-A7C4-5C3301C82707}" destId="{96B6F13E-4C71-4B33-9AE7-68769BCA1885}" srcOrd="0" destOrd="0" presId="urn:microsoft.com/office/officeart/2005/8/layout/lProcess2"/>
+    <dgm:cxn modelId="{9D2C00A1-C9B8-4946-AEC1-05DC13345F3F}" type="presOf" srcId="{3685198B-5321-4885-BEE2-2A3D6DA5B4A6}" destId="{67D9D327-C476-4BF7-B7AB-E484AB473A27}" srcOrd="1" destOrd="0" presId="urn:microsoft.com/office/officeart/2005/8/layout/lProcess2"/>
+    <dgm:cxn modelId="{83E6F21F-FEF4-4BA6-8766-8B22936871AC}" srcId="{3685198B-5321-4885-BEE2-2A3D6DA5B4A6}" destId="{E25008CC-3EBF-4262-B825-01A46F1E088F}" srcOrd="1" destOrd="0" parTransId="{8CE3EAD2-5AF7-45C2-94FF-4E7639E940A5}" sibTransId="{A4D6D835-3339-47DE-B6A4-3291AD8E9A4E}"/>
+    <dgm:cxn modelId="{BC5D9862-DAC4-4192-97F4-E8931AD3B7CB}" srcId="{C1DF2E0B-F034-409C-97BE-B1E077D0166A}" destId="{9FA67F5C-A2B3-4A17-AA93-5C0AD273B2D5}" srcOrd="0" destOrd="0" parTransId="{F1B411E4-892B-4114-B93A-577EE42BA548}" sibTransId="{8A5F7F56-540A-4DE5-B118-0068853256FC}"/>
+    <dgm:cxn modelId="{78AD89B4-E3A9-41B0-AF51-37437A573099}" srcId="{911EC251-C7E4-4814-90D4-8D36FE8DEC24}" destId="{C22B14A1-CEB5-4C85-A079-329A0D631FC4}" srcOrd="2" destOrd="0" parTransId="{C498E0DF-6C2A-40EA-A705-42667224E35E}" sibTransId="{9B9DEF1B-B47B-45CC-AC15-A4015E7A6961}"/>
     <dgm:cxn modelId="{69F2DDF9-A227-4E72-BAA2-430220F4F365}" srcId="{3685198B-5321-4885-BEE2-2A3D6DA5B4A6}" destId="{F2B8E16F-5F5A-4339-B42D-A1EA3A873A66}" srcOrd="0" destOrd="0" parTransId="{07DAEFAB-B713-4B0E-8DFA-5AC55A476C27}" sibTransId="{711389FD-DC4C-4AF5-A083-821A33571CBA}"/>
     <dgm:cxn modelId="{F84BF8AA-607F-438B-99AB-B5DFCB444859}" type="presOf" srcId="{BAFD4250-3194-435C-9DB9-26F654B5C03A}" destId="{C4D55E39-E127-46E1-8C18-E650BDF0FCB0}" srcOrd="0" destOrd="0" presId="urn:microsoft.com/office/officeart/2005/8/layout/lProcess2"/>
-    <dgm:cxn modelId="{9D2C00A1-C9B8-4946-AEC1-05DC13345F3F}" type="presOf" srcId="{3685198B-5321-4885-BEE2-2A3D6DA5B4A6}" destId="{67D9D327-C476-4BF7-B7AB-E484AB473A27}" srcOrd="1" destOrd="0" presId="urn:microsoft.com/office/officeart/2005/8/layout/lProcess2"/>
+    <dgm:cxn modelId="{E90F8EFB-4FFD-4F13-8F28-B0018CACA6A2}" type="presOf" srcId="{F2B8E16F-5F5A-4339-B42D-A1EA3A873A66}" destId="{2CA0B65E-4012-4BC5-9436-ACF3DB7847C8}" srcOrd="0" destOrd="0" presId="urn:microsoft.com/office/officeart/2005/8/layout/lProcess2"/>
+    <dgm:cxn modelId="{65DA3B0C-C80A-4C1E-9E81-5220CB0ACD02}" type="presOf" srcId="{39865F2F-A0A2-4069-A0A8-DBD105077B60}" destId="{194BEDD1-D18B-469C-A681-6F2CD0649826}" srcOrd="0" destOrd="0" presId="urn:microsoft.com/office/officeart/2005/8/layout/lProcess2"/>
+    <dgm:cxn modelId="{68A880CB-36C5-442A-9C0A-543018EC180C}" type="presOf" srcId="{E25008CC-3EBF-4262-B825-01A46F1E088F}" destId="{727F9D2C-89F2-4A05-AB22-0A805ACA0081}" srcOrd="0" destOrd="0" presId="urn:microsoft.com/office/officeart/2005/8/layout/lProcess2"/>
+    <dgm:cxn modelId="{C939D03B-41BC-478F-8898-9F0D9C0E109D}" type="presOf" srcId="{C1DF2E0B-F034-409C-97BE-B1E077D0166A}" destId="{5EE3D656-49E3-4846-80B3-9DF4C0678135}" srcOrd="0" destOrd="0" presId="urn:microsoft.com/office/officeart/2005/8/layout/lProcess2"/>
+    <dgm:cxn modelId="{C98D9AEB-E2D1-4EA1-8B9C-E61863A81C24}" type="presOf" srcId="{C1DF2E0B-F034-409C-97BE-B1E077D0166A}" destId="{39674946-8641-4D9C-B474-ADD5C2CCB996}" srcOrd="1" destOrd="0" presId="urn:microsoft.com/office/officeart/2005/8/layout/lProcess2"/>
+    <dgm:cxn modelId="{D55D4B72-161A-4FAE-AF7B-1ABE9C4AB99D}" srcId="{81964A11-60E0-48D1-9D32-82C50FF38D21}" destId="{3685198B-5321-4885-BEE2-2A3D6DA5B4A6}" srcOrd="2" destOrd="0" parTransId="{04BBF996-DFD9-466F-BD01-7968559FCCBA}" sibTransId="{D4A8ADDC-9CBB-47A6-AE74-052767EA090A}"/>
+    <dgm:cxn modelId="{071FB365-FE77-48F5-BA17-484D6C356434}" srcId="{911EC251-C7E4-4814-90D4-8D36FE8DEC24}" destId="{BAFD4250-3194-435C-9DB9-26F654B5C03A}" srcOrd="0" destOrd="0" parTransId="{0D4B85D5-5F65-4827-8832-FBF48D7B3363}" sibTransId="{00CC07D1-76CC-4C43-9A72-FD68CB53A52F}"/>
+    <dgm:cxn modelId="{57AEE9A1-FDF7-4AB7-9681-008358ED57AB}" srcId="{81964A11-60E0-48D1-9D32-82C50FF38D21}" destId="{911EC251-C7E4-4814-90D4-8D36FE8DEC24}" srcOrd="1" destOrd="0" parTransId="{EA241105-CF1E-4DF7-B8D8-02473B6E0B01}" sibTransId="{95633792-376C-450E-B8BC-ED28DC101CEB}"/>
+    <dgm:cxn modelId="{0F479CCA-569A-4D77-9DF6-37D751B3E62B}" srcId="{C1DF2E0B-F034-409C-97BE-B1E077D0166A}" destId="{452B5EB4-6ED7-4FA8-A7C4-5C3301C82707}" srcOrd="2" destOrd="0" parTransId="{A65A5292-11EC-4F74-A2DD-B9AB81BC264F}" sibTransId="{ED3C9F27-971A-426E-911A-AC30A16EB8D7}"/>
+    <dgm:cxn modelId="{9A05484E-DE8F-43BE-8338-A9FF8F4980CC}" type="presOf" srcId="{911EC251-C7E4-4814-90D4-8D36FE8DEC24}" destId="{36A5E784-0575-4B9A-932D-84B4018329C2}" srcOrd="0" destOrd="0" presId="urn:microsoft.com/office/officeart/2005/8/layout/lProcess2"/>
+    <dgm:cxn modelId="{DF641FEB-D82F-4D31-B32E-F19E636FB3A2}" type="presOf" srcId="{9FA67F5C-A2B3-4A17-AA93-5C0AD273B2D5}" destId="{575ED4E3-10E1-44F4-98F2-9E82E73CD01D}" srcOrd="0" destOrd="0" presId="urn:microsoft.com/office/officeart/2005/8/layout/lProcess2"/>
     <dgm:cxn modelId="{A6D803CA-B590-4F5F-AC18-40F3D632022F}" srcId="{81964A11-60E0-48D1-9D32-82C50FF38D21}" destId="{C1DF2E0B-F034-409C-97BE-B1E077D0166A}" srcOrd="0" destOrd="0" parTransId="{42A31C57-B267-4553-8EBC-89957EA9919E}" sibTransId="{F799DE04-BE06-4558-B401-CA9BE73B0FE5}"/>
-    <dgm:cxn modelId="{C939D03B-41BC-478F-8898-9F0D9C0E109D}" type="presOf" srcId="{C1DF2E0B-F034-409C-97BE-B1E077D0166A}" destId="{5EE3D656-49E3-4846-80B3-9DF4C0678135}" srcOrd="0" destOrd="0" presId="urn:microsoft.com/office/officeart/2005/8/layout/lProcess2"/>
-    <dgm:cxn modelId="{68A880CB-36C5-442A-9C0A-543018EC180C}" type="presOf" srcId="{E25008CC-3EBF-4262-B825-01A46F1E088F}" destId="{727F9D2C-89F2-4A05-AB22-0A805ACA0081}" srcOrd="0" destOrd="0" presId="urn:microsoft.com/office/officeart/2005/8/layout/lProcess2"/>
-    <dgm:cxn modelId="{3AEF1512-85D4-4F38-A0AE-869032ED7E2F}" type="presOf" srcId="{81964A11-60E0-48D1-9D32-82C50FF38D21}" destId="{0E7A83FE-A83D-4D37-BD58-B3BE98109EBF}" srcOrd="0" destOrd="0" presId="urn:microsoft.com/office/officeart/2005/8/layout/lProcess2"/>
-    <dgm:cxn modelId="{DF641FEB-D82F-4D31-B32E-F19E636FB3A2}" type="presOf" srcId="{9FA67F5C-A2B3-4A17-AA93-5C0AD273B2D5}" destId="{575ED4E3-10E1-44F4-98F2-9E82E73CD01D}" srcOrd="0" destOrd="0" presId="urn:microsoft.com/office/officeart/2005/8/layout/lProcess2"/>
-    <dgm:cxn modelId="{E90F8EFB-4FFD-4F13-8F28-B0018CACA6A2}" type="presOf" srcId="{F2B8E16F-5F5A-4339-B42D-A1EA3A873A66}" destId="{2CA0B65E-4012-4BC5-9436-ACF3DB7847C8}" srcOrd="0" destOrd="0" presId="urn:microsoft.com/office/officeart/2005/8/layout/lProcess2"/>
-    <dgm:cxn modelId="{0F479CCA-569A-4D77-9DF6-37D751B3E62B}" srcId="{C1DF2E0B-F034-409C-97BE-B1E077D0166A}" destId="{452B5EB4-6ED7-4FA8-A7C4-5C3301C82707}" srcOrd="2" destOrd="0" parTransId="{A65A5292-11EC-4F74-A2DD-B9AB81BC264F}" sibTransId="{ED3C9F27-971A-426E-911A-AC30A16EB8D7}"/>
-    <dgm:cxn modelId="{660195D4-96BD-4EE8-A65E-0ACF0BCB93F6}" srcId="{C1DF2E0B-F034-409C-97BE-B1E077D0166A}" destId="{D7533782-3A8A-442A-9F24-8DC26FC5B3E3}" srcOrd="1" destOrd="0" parTransId="{2779A0B4-ABB2-4420-936D-036EE033A6B5}" sibTransId="{0B0434F5-F6FF-4749-8332-5CE2942EF69F}"/>
-    <dgm:cxn modelId="{65DA3B0C-C80A-4C1E-9E81-5220CB0ACD02}" type="presOf" srcId="{39865F2F-A0A2-4069-A0A8-DBD105077B60}" destId="{194BEDD1-D18B-469C-A681-6F2CD0649826}" srcOrd="0" destOrd="0" presId="urn:microsoft.com/office/officeart/2005/8/layout/lProcess2"/>
-    <dgm:cxn modelId="{90B25311-0A64-41C9-A79C-41BA8BE636D5}" type="presOf" srcId="{D7533782-3A8A-442A-9F24-8DC26FC5B3E3}" destId="{FE3E8C9E-4E0C-48C9-B969-45E913CB4CB6}" srcOrd="0" destOrd="0" presId="urn:microsoft.com/office/officeart/2005/8/layout/lProcess2"/>
-    <dgm:cxn modelId="{9A05484E-DE8F-43BE-8338-A9FF8F4980CC}" type="presOf" srcId="{911EC251-C7E4-4814-90D4-8D36FE8DEC24}" destId="{36A5E784-0575-4B9A-932D-84B4018329C2}" srcOrd="0" destOrd="0" presId="urn:microsoft.com/office/officeart/2005/8/layout/lProcess2"/>
-    <dgm:cxn modelId="{C98D9AEB-E2D1-4EA1-8B9C-E61863A81C24}" type="presOf" srcId="{C1DF2E0B-F034-409C-97BE-B1E077D0166A}" destId="{39674946-8641-4D9C-B474-ADD5C2CCB996}" srcOrd="1" destOrd="0" presId="urn:microsoft.com/office/officeart/2005/8/layout/lProcess2"/>
-    <dgm:cxn modelId="{83E6F21F-FEF4-4BA6-8766-8B22936871AC}" srcId="{3685198B-5321-4885-BEE2-2A3D6DA5B4A6}" destId="{E25008CC-3EBF-4262-B825-01A46F1E088F}" srcOrd="1" destOrd="0" parTransId="{8CE3EAD2-5AF7-45C2-94FF-4E7639E940A5}" sibTransId="{A4D6D835-3339-47DE-B6A4-3291AD8E9A4E}"/>
-    <dgm:cxn modelId="{7A14992B-7E79-4D53-AE68-00258322CAF4}" type="presOf" srcId="{3685198B-5321-4885-BEE2-2A3D6DA5B4A6}" destId="{73EF77D7-714B-46AC-B791-77FB73C27C85}" srcOrd="0" destOrd="0" presId="urn:microsoft.com/office/officeart/2005/8/layout/lProcess2"/>
-    <dgm:cxn modelId="{57AEE9A1-FDF7-4AB7-9681-008358ED57AB}" srcId="{81964A11-60E0-48D1-9D32-82C50FF38D21}" destId="{911EC251-C7E4-4814-90D4-8D36FE8DEC24}" srcOrd="1" destOrd="0" parTransId="{EA241105-CF1E-4DF7-B8D8-02473B6E0B01}" sibTransId="{95633792-376C-450E-B8BC-ED28DC101CEB}"/>
-    <dgm:cxn modelId="{9E99BB4A-64AC-4D27-BAFD-B1775DD4D8D0}" type="presOf" srcId="{C22B14A1-CEB5-4C85-A079-329A0D631FC4}" destId="{E864E8C5-2AF8-4B2A-8FB7-8D60286472A2}" srcOrd="0" destOrd="0" presId="urn:microsoft.com/office/officeart/2005/8/layout/lProcess2"/>
-    <dgm:cxn modelId="{78AD89B4-E3A9-41B0-AF51-37437A573099}" srcId="{911EC251-C7E4-4814-90D4-8D36FE8DEC24}" destId="{C22B14A1-CEB5-4C85-A079-329A0D631FC4}" srcOrd="2" destOrd="0" parTransId="{C498E0DF-6C2A-40EA-A705-42667224E35E}" sibTransId="{9B9DEF1B-B47B-45CC-AC15-A4015E7A6961}"/>
-    <dgm:cxn modelId="{071FB365-FE77-48F5-BA17-484D6C356434}" srcId="{911EC251-C7E4-4814-90D4-8D36FE8DEC24}" destId="{BAFD4250-3194-435C-9DB9-26F654B5C03A}" srcOrd="0" destOrd="0" parTransId="{0D4B85D5-5F65-4827-8832-FBF48D7B3363}" sibTransId="{00CC07D1-76CC-4C43-9A72-FD68CB53A52F}"/>
-    <dgm:cxn modelId="{BC5D9862-DAC4-4192-97F4-E8931AD3B7CB}" srcId="{C1DF2E0B-F034-409C-97BE-B1E077D0166A}" destId="{9FA67F5C-A2B3-4A17-AA93-5C0AD273B2D5}" srcOrd="0" destOrd="0" parTransId="{F1B411E4-892B-4114-B93A-577EE42BA548}" sibTransId="{8A5F7F56-540A-4DE5-B118-0068853256FC}"/>
-    <dgm:cxn modelId="{D55D4B72-161A-4FAE-AF7B-1ABE9C4AB99D}" srcId="{81964A11-60E0-48D1-9D32-82C50FF38D21}" destId="{3685198B-5321-4885-BEE2-2A3D6DA5B4A6}" srcOrd="2" destOrd="0" parTransId="{04BBF996-DFD9-466F-BD01-7968559FCCBA}" sibTransId="{D4A8ADDC-9CBB-47A6-AE74-052767EA090A}"/>
-    <dgm:cxn modelId="{B1E3CED7-9BA3-46F5-8CFD-59B6546AA29A}" type="presOf" srcId="{452B5EB4-6ED7-4FA8-A7C4-5C3301C82707}" destId="{96B6F13E-4C71-4B33-9AE7-68769BCA1885}" srcOrd="0" destOrd="0" presId="urn:microsoft.com/office/officeart/2005/8/layout/lProcess2"/>
+    <dgm:cxn modelId="{F2587B56-D314-43EC-ABCB-84C77D61FDDA}" type="presOf" srcId="{911EC251-C7E4-4814-90D4-8D36FE8DEC24}" destId="{BB857315-7C35-4D47-8535-974ED697CCEF}" srcOrd="1" destOrd="0" presId="urn:microsoft.com/office/officeart/2005/8/layout/lProcess2"/>
     <dgm:cxn modelId="{2E5DC51E-89E8-4B50-9D40-3C6BD78BD681}" type="presParOf" srcId="{0E7A83FE-A83D-4D37-BD58-B3BE98109EBF}" destId="{269D256E-E9CF-442B-9DAB-580449D828DC}" srcOrd="0" destOrd="0" presId="urn:microsoft.com/office/officeart/2005/8/layout/lProcess2"/>
     <dgm:cxn modelId="{D92BD7CC-7846-4233-AC75-9F78FFA4C1AB}" type="presParOf" srcId="{269D256E-E9CF-442B-9DAB-580449D828DC}" destId="{5EE3D656-49E3-4846-80B3-9DF4C0678135}" srcOrd="0" destOrd="0" presId="urn:microsoft.com/office/officeart/2005/8/layout/lProcess2"/>
     <dgm:cxn modelId="{5F0ACA48-1F53-4320-85B7-8CB2A378A748}" type="presParOf" srcId="{269D256E-E9CF-442B-9DAB-580449D828DC}" destId="{39674946-8641-4D9C-B474-ADD5C2CCB996}" srcOrd="1" destOrd="0" presId="urn:microsoft.com/office/officeart/2005/8/layout/lProcess2"/>
@@ -6539,11 +6535,7 @@
           </a:pPr>
           <a:r>
             <a:rPr lang="en-US" sz="1200" kern="1200" dirty="0" smtClean="0"/>
-            <a:t>Collaboration </a:t>
-          </a:r>
-          <a:r>
-            <a:rPr lang="en-US" sz="1200" kern="1200" dirty="0" smtClean="0"/>
-            <a:t>tool: </a:t>
+            <a:t>Collaboration tool: </a:t>
           </a:r>
           <a:r>
             <a:rPr lang="en-US" altLang="zh-CN" sz="1200" kern="1200" dirty="0" err="1" smtClean="0"/>
@@ -6799,7 +6791,11 @@
           </a:pPr>
           <a:r>
             <a:rPr lang="en-US" sz="1200" kern="1200" dirty="0" smtClean="0"/>
-            <a:t>Twitter: Jicheng Hu</a:t>
+            <a:t>Twitter: </a:t>
+          </a:r>
+          <a:r>
+            <a:rPr lang="en-US" sz="1200" kern="1200" dirty="0" smtClean="0"/>
+            <a:t>…</a:t>
           </a:r>
           <a:endParaRPr lang="en-US" sz="1200" kern="1200" dirty="0"/>
         </a:p>
@@ -6882,7 +6878,7 @@
           </a:r>
           <a:r>
             <a:rPr lang="en-US" altLang="zh-CN" sz="1200" kern="1200" dirty="0" smtClean="0"/>
-            <a:t>Jicheng Hu</a:t>
+            <a:t>…</a:t>
           </a:r>
           <a:endParaRPr lang="en-US" sz="1200" kern="1200" dirty="0"/>
         </a:p>
@@ -7213,11 +7209,7 @@
           </a:pPr>
           <a:r>
             <a:rPr lang="en-US" sz="1200" kern="1200" dirty="0" smtClean="0"/>
-            <a:t>Study </a:t>
-          </a:r>
-          <a:r>
-            <a:rPr lang="en-US" sz="1200" kern="1200" dirty="0" smtClean="0"/>
-            <a:t>groups: big plus!</a:t>
+            <a:t>Study groups: big plus!</a:t>
           </a:r>
           <a:endParaRPr lang="en-US" sz="1200" kern="1200" dirty="0"/>
         </a:p>
@@ -11042,7 +11034,7 @@
           <a:p>
             <a:fld id="{E574AC39-44E6-425E-AF49-CF7D189F346F}" type="datetimeFigureOut">
               <a:rPr lang="en-US" smtClean="0"/>
-              <a:t>8/31/2019</a:t>
+              <a:t>9/1/2019</a:t>
             </a:fld>
             <a:endParaRPr lang="en-US"/>
           </a:p>
@@ -11207,7 +11199,7 @@
           <a:p>
             <a:fld id="{DF2775BC-6312-42C7-B7C5-EA6783C2D9CA}" type="datetimeFigureOut">
               <a:rPr lang="en-US" smtClean="0"/>
-              <a:t>8/31/2019</a:t>
+              <a:t>9/1/2019</a:t>
             </a:fld>
             <a:endParaRPr lang="en-US"/>
           </a:p>
@@ -11742,7 +11734,7 @@
           <a:p>
             <a:fld id="{40FF0622-75E4-48B8-A617-5428CA5926CE}" type="datetimeFigureOut">
               <a:rPr lang="en-US" smtClean="0"/>
-              <a:t>8/31/2019</a:t>
+              <a:t>9/1/2019</a:t>
             </a:fld>
             <a:endParaRPr lang="en-US"/>
           </a:p>
@@ -12017,7 +12009,7 @@
           <a:p>
             <a:fld id="{40FF0622-75E4-48B8-A617-5428CA5926CE}" type="datetimeFigureOut">
               <a:rPr lang="en-US" smtClean="0"/>
-              <a:t>8/31/2019</a:t>
+              <a:t>9/1/2019</a:t>
             </a:fld>
             <a:endParaRPr lang="en-US"/>
           </a:p>
@@ -12144,7 +12136,7 @@
           <a:p>
             <a:fld id="{40FF0622-75E4-48B8-A617-5428CA5926CE}" type="datetimeFigureOut">
               <a:rPr lang="en-US" smtClean="0"/>
-              <a:t>8/31/2019</a:t>
+              <a:t>9/1/2019</a:t>
             </a:fld>
             <a:endParaRPr lang="en-US"/>
           </a:p>
@@ -12338,7 +12330,7 @@
           <a:p>
             <a:fld id="{40FF0622-75E4-48B8-A617-5428CA5926CE}" type="datetimeFigureOut">
               <a:rPr lang="en-US" smtClean="0"/>
-              <a:t>8/31/2019</a:t>
+              <a:t>9/1/2019</a:t>
             </a:fld>
             <a:endParaRPr lang="en-US"/>
           </a:p>
@@ -12813,7 +12805,7 @@
           <a:p>
             <a:fld id="{40FF0622-75E4-48B8-A617-5428CA5926CE}" type="datetimeFigureOut">
               <a:rPr lang="en-US" smtClean="0"/>
-              <a:t>8/31/2019</a:t>
+              <a:t>9/1/2019</a:t>
             </a:fld>
             <a:endParaRPr lang="en-US"/>
           </a:p>
@@ -12940,7 +12932,7 @@
           <a:p>
             <a:fld id="{40FF0622-75E4-48B8-A617-5428CA5926CE}" type="datetimeFigureOut">
               <a:rPr lang="en-US" smtClean="0"/>
-              <a:t>8/31/2019</a:t>
+              <a:t>9/1/2019</a:t>
             </a:fld>
             <a:endParaRPr lang="en-US"/>
           </a:p>
@@ -13231,7 +13223,7 @@
           <a:p>
             <a:fld id="{40FF0622-75E4-48B8-A617-5428CA5926CE}" type="datetimeFigureOut">
               <a:rPr lang="en-US" smtClean="0"/>
-              <a:t>8/31/2019</a:t>
+              <a:t>9/1/2019</a:t>
             </a:fld>
             <a:endParaRPr lang="en-US"/>
           </a:p>
@@ -13982,7 +13974,7 @@
           <a:p>
             <a:fld id="{40FF0622-75E4-48B8-A617-5428CA5926CE}" type="datetimeFigureOut">
               <a:rPr lang="en-US" smtClean="0"/>
-              <a:t>8/31/2019</a:t>
+              <a:t>9/1/2019</a:t>
             </a:fld>
             <a:endParaRPr lang="en-US"/>
           </a:p>
@@ -14829,7 +14821,7 @@
           <a:p>
             <a:fld id="{40FF0622-75E4-48B8-A617-5428CA5926CE}" type="datetimeFigureOut">
               <a:rPr lang="en-US" smtClean="0"/>
-              <a:t>8/31/2019</a:t>
+              <a:t>9/1/2019</a:t>
             </a:fld>
             <a:endParaRPr lang="en-US"/>
           </a:p>
@@ -14999,7 +14991,7 @@
           <a:p>
             <a:fld id="{40FF0622-75E4-48B8-A617-5428CA5926CE}" type="datetimeFigureOut">
               <a:rPr lang="en-US" smtClean="0"/>
-              <a:t>8/31/2019</a:t>
+              <a:t>9/1/2019</a:t>
             </a:fld>
             <a:endParaRPr lang="en-US"/>
           </a:p>
@@ -15179,7 +15171,7 @@
           <a:p>
             <a:fld id="{40FF0622-75E4-48B8-A617-5428CA5926CE}" type="datetimeFigureOut">
               <a:rPr lang="en-US" smtClean="0"/>
-              <a:t>8/31/2019</a:t>
+              <a:t>9/1/2019</a:t>
             </a:fld>
             <a:endParaRPr lang="en-US"/>
           </a:p>
@@ -15349,7 +15341,7 @@
           <a:p>
             <a:fld id="{40FF0622-75E4-48B8-A617-5428CA5926CE}" type="datetimeFigureOut">
               <a:rPr lang="en-US" smtClean="0"/>
-              <a:t>8/31/2019</a:t>
+              <a:t>9/1/2019</a:t>
             </a:fld>
             <a:endParaRPr lang="en-US"/>
           </a:p>
@@ -15593,7 +15585,7 @@
           <a:p>
             <a:fld id="{40FF0622-75E4-48B8-A617-5428CA5926CE}" type="datetimeFigureOut">
               <a:rPr lang="en-US" smtClean="0"/>
-              <a:t>8/31/2019</a:t>
+              <a:t>9/1/2019</a:t>
             </a:fld>
             <a:endParaRPr lang="en-US"/>
           </a:p>
@@ -15885,7 +15877,7 @@
           <a:p>
             <a:fld id="{40FF0622-75E4-48B8-A617-5428CA5926CE}" type="datetimeFigureOut">
               <a:rPr lang="en-US" smtClean="0"/>
-              <a:t>8/31/2019</a:t>
+              <a:t>9/1/2019</a:t>
             </a:fld>
             <a:endParaRPr lang="en-US"/>
           </a:p>
@@ -16330,7 +16322,7 @@
           <a:p>
             <a:fld id="{40FF0622-75E4-48B8-A617-5428CA5926CE}" type="datetimeFigureOut">
               <a:rPr lang="en-US" smtClean="0"/>
-              <a:t>8/31/2019</a:t>
+              <a:t>9/1/2019</a:t>
             </a:fld>
             <a:endParaRPr lang="en-US"/>
           </a:p>
@@ -16448,7 +16440,7 @@
           <a:p>
             <a:fld id="{40FF0622-75E4-48B8-A617-5428CA5926CE}" type="datetimeFigureOut">
               <a:rPr lang="en-US" smtClean="0"/>
-              <a:t>8/31/2019</a:t>
+              <a:t>9/1/2019</a:t>
             </a:fld>
             <a:endParaRPr lang="en-US"/>
           </a:p>
@@ -16543,7 +16535,7 @@
           <a:p>
             <a:fld id="{40FF0622-75E4-48B8-A617-5428CA5926CE}" type="datetimeFigureOut">
               <a:rPr lang="en-US" smtClean="0"/>
-              <a:t>8/31/2019</a:t>
+              <a:t>9/1/2019</a:t>
             </a:fld>
             <a:endParaRPr lang="en-US"/>
           </a:p>
@@ -16822,7 +16814,7 @@
           <a:p>
             <a:fld id="{40FF0622-75E4-48B8-A617-5428CA5926CE}" type="datetimeFigureOut">
               <a:rPr lang="en-US" smtClean="0"/>
-              <a:t>8/31/2019</a:t>
+              <a:t>9/1/2019</a:t>
             </a:fld>
             <a:endParaRPr lang="en-US"/>
           </a:p>
@@ -17097,7 +17089,7 @@
           <a:p>
             <a:fld id="{40FF0622-75E4-48B8-A617-5428CA5926CE}" type="datetimeFigureOut">
               <a:rPr lang="en-US" smtClean="0"/>
-              <a:t>8/31/2019</a:t>
+              <a:t>9/1/2019</a:t>
             </a:fld>
             <a:endParaRPr lang="en-US"/>
           </a:p>
@@ -17710,7 +17702,7 @@
           <a:p>
             <a:fld id="{40FF0622-75E4-48B8-A617-5428CA5926CE}" type="datetimeFigureOut">
               <a:rPr lang="en-US" smtClean="0"/>
-              <a:t>8/31/2019</a:t>
+              <a:t>9/1/2019</a:t>
             </a:fld>
             <a:endParaRPr lang="en-US"/>
           </a:p>
@@ -18760,15 +18752,7 @@
                             <a:srgbClr val="002060"/>
                           </a:solidFill>
                         </a:rPr>
-                        <a:t>Week </a:t>
-                      </a:r>
-                      <a:r>
-                        <a:rPr lang="en-US" dirty="0" smtClean="0">
-                          <a:solidFill>
-                            <a:srgbClr val="002060"/>
-                          </a:solidFill>
-                        </a:rPr>
-                        <a:t>2</a:t>
+                        <a:t>Week 2</a:t>
                       </a:r>
                       <a:endParaRPr lang="en-US" dirty="0">
                         <a:solidFill>
@@ -18949,15 +18933,7 @@
                             <a:srgbClr val="002060"/>
                           </a:solidFill>
                         </a:rPr>
-                        <a:t>Week </a:t>
-                      </a:r>
-                      <a:r>
-                        <a:rPr lang="en-US" dirty="0" smtClean="0">
-                          <a:solidFill>
-                            <a:srgbClr val="002060"/>
-                          </a:solidFill>
-                        </a:rPr>
-                        <a:t>3</a:t>
+                        <a:t>Week 3</a:t>
                       </a:r>
                       <a:endParaRPr lang="en-US" dirty="0">
                         <a:solidFill>
@@ -19145,15 +19121,7 @@
                             <a:srgbClr val="002060"/>
                           </a:solidFill>
                         </a:rPr>
-                        <a:t>Week </a:t>
-                      </a:r>
-                      <a:r>
-                        <a:rPr lang="en-US" dirty="0" smtClean="0">
-                          <a:solidFill>
-                            <a:srgbClr val="002060"/>
-                          </a:solidFill>
-                        </a:rPr>
-                        <a:t>4</a:t>
+                        <a:t>Week 4</a:t>
                       </a:r>
                       <a:endParaRPr lang="en-US" dirty="0">
                         <a:solidFill>
@@ -19863,7 +19831,7 @@
             <p:ph idx="1"/>
             <p:extLst>
               <p:ext uri="{D42A27DB-BD31-4B8C-83A1-F6EECF244321}">
-                <p14:modId xmlns:p14="http://schemas.microsoft.com/office/powerpoint/2010/main" val="3716275445"/>
+                <p14:modId xmlns:p14="http://schemas.microsoft.com/office/powerpoint/2010/main" val="633928136"/>
               </p:ext>
             </p:extLst>
           </p:nvPr>
@@ -20207,7 +20175,7 @@
           <a:graphicData uri="http://schemas.openxmlformats.org/presentationml/2006/ole">
             <mc:AlternateContent xmlns:mc="http://schemas.openxmlformats.org/markup-compatibility/2006">
               <mc:Choice xmlns:v="urn:schemas-microsoft-com:vml" Requires="v">
-                <p:oleObj spid="_x0000_s1053" r:id="rId3" imgW="3790950" imgH="2914650" progId="">
+                <p:oleObj spid="_x0000_s1060" r:id="rId3" imgW="3790950" imgH="2914650" progId="">
                   <p:embed/>
                 </p:oleObj>
               </mc:Choice>
@@ -20456,7 +20424,7 @@
           <a:lstStyle/>
           <a:p>
             <a:r>
-              <a:rPr lang="en-US" smtClean="0"/>
+              <a:rPr lang="en-US" dirty="0" smtClean="0"/>
               <a:t>Course Description</a:t>
             </a:r>
             <a:endParaRPr lang="en-US" dirty="0"/>
@@ -20473,15 +20441,319 @@
             <p:ph sz="half" idx="1"/>
           </p:nvPr>
         </p:nvSpPr>
-        <p:spPr/>
+        <p:spPr>
+          <a:xfrm>
+            <a:off x="491067" y="2060575"/>
+            <a:ext cx="5008585" cy="4195763"/>
+          </a:xfrm>
+        </p:spPr>
         <p:txBody>
-          <a:bodyPr/>
+          <a:bodyPr>
+            <a:normAutofit fontScale="92500" lnSpcReduction="20000"/>
+          </a:bodyPr>
           <a:lstStyle/>
           <a:p>
+            <a:pPr marL="0" indent="0">
+              <a:buNone/>
+            </a:pPr>
             <a:r>
-              <a:rPr lang="en-US" dirty="0" smtClean="0"/>
-              <a:t>Add brief course summary</a:t>
+              <a:rPr lang="en-US" dirty="0">
+                <a:latin typeface="微软雅黑" panose="020B0503020204020204" pitchFamily="34" charset="-122"/>
+                <a:ea typeface="微软雅黑" panose="020B0503020204020204" pitchFamily="34" charset="-122"/>
+              </a:rPr>
+              <a:t>B</a:t>
             </a:r>
+            <a:r>
+              <a:rPr lang="en-US" dirty="0" smtClean="0">
+                <a:latin typeface="微软雅黑" panose="020B0503020204020204" pitchFamily="34" charset="-122"/>
+                <a:ea typeface="微软雅黑" panose="020B0503020204020204" pitchFamily="34" charset="-122"/>
+              </a:rPr>
+              <a:t>rief </a:t>
+            </a:r>
+            <a:r>
+              <a:rPr lang="en-US" dirty="0" smtClean="0">
+                <a:latin typeface="微软雅黑" panose="020B0503020204020204" pitchFamily="34" charset="-122"/>
+                <a:ea typeface="微软雅黑" panose="020B0503020204020204" pitchFamily="34" charset="-122"/>
+              </a:rPr>
+              <a:t>course </a:t>
+            </a:r>
+            <a:r>
+              <a:rPr lang="en-US" dirty="0" smtClean="0">
+                <a:latin typeface="微软雅黑" panose="020B0503020204020204" pitchFamily="34" charset="-122"/>
+                <a:ea typeface="微软雅黑" panose="020B0503020204020204" pitchFamily="34" charset="-122"/>
+              </a:rPr>
+              <a:t>summary</a:t>
+            </a:r>
+          </a:p>
+          <a:p>
+            <a:pPr marL="0" indent="0">
+              <a:buNone/>
+            </a:pPr>
+            <a:r>
+              <a:rPr lang="en-US" dirty="0" smtClean="0">
+                <a:latin typeface="微软雅黑" panose="020B0503020204020204" pitchFamily="34" charset="-122"/>
+                <a:ea typeface="微软雅黑" panose="020B0503020204020204" pitchFamily="34" charset="-122"/>
+              </a:rPr>
+              <a:t>“Windows </a:t>
+            </a:r>
+            <a:r>
+              <a:rPr lang="en-US" dirty="0" err="1" smtClean="0">
+                <a:latin typeface="微软雅黑" panose="020B0503020204020204" pitchFamily="34" charset="-122"/>
+                <a:ea typeface="微软雅黑" panose="020B0503020204020204" pitchFamily="34" charset="-122"/>
+              </a:rPr>
+              <a:t>Programming”is</a:t>
+            </a:r>
+            <a:r>
+              <a:rPr lang="en-US" dirty="0" smtClean="0">
+                <a:latin typeface="微软雅黑" panose="020B0503020204020204" pitchFamily="34" charset="-122"/>
+                <a:ea typeface="微软雅黑" panose="020B0503020204020204" pitchFamily="34" charset="-122"/>
+              </a:rPr>
+              <a:t> </a:t>
+            </a:r>
+            <a:r>
+              <a:rPr lang="en-US" dirty="0">
+                <a:latin typeface="微软雅黑" panose="020B0503020204020204" pitchFamily="34" charset="-122"/>
+                <a:ea typeface="微软雅黑" panose="020B0503020204020204" pitchFamily="34" charset="-122"/>
+              </a:rPr>
+              <a:t>a general purpose programming </a:t>
+            </a:r>
+            <a:r>
+              <a:rPr lang="en-US" dirty="0" smtClean="0">
+                <a:latin typeface="微软雅黑" panose="020B0503020204020204" pitchFamily="34" charset="-122"/>
+                <a:ea typeface="微软雅黑" panose="020B0503020204020204" pitchFamily="34" charset="-122"/>
+              </a:rPr>
+              <a:t>skill to develop software system running on Windows platform, via different programming languages </a:t>
+            </a:r>
+            <a:r>
+              <a:rPr lang="en-US" dirty="0">
+                <a:latin typeface="微软雅黑" panose="020B0503020204020204" pitchFamily="34" charset="-122"/>
+                <a:ea typeface="微软雅黑" panose="020B0503020204020204" pitchFamily="34" charset="-122"/>
+              </a:rPr>
+              <a:t>that supports various computer programming models such as object-oriented programming and generic programming. </a:t>
+            </a:r>
+            <a:r>
+              <a:rPr lang="en-US" dirty="0" smtClean="0">
+                <a:latin typeface="微软雅黑" panose="020B0503020204020204" pitchFamily="34" charset="-122"/>
+                <a:ea typeface="微软雅黑" panose="020B0503020204020204" pitchFamily="34" charset="-122"/>
+              </a:rPr>
+              <a:t>Its </a:t>
+            </a:r>
+            <a:r>
+              <a:rPr lang="en-US" dirty="0">
+                <a:latin typeface="微软雅黑" panose="020B0503020204020204" pitchFamily="34" charset="-122"/>
+                <a:ea typeface="微软雅黑" panose="020B0503020204020204" pitchFamily="34" charset="-122"/>
+              </a:rPr>
+              <a:t>main purpose </a:t>
+            </a:r>
+            <a:r>
+              <a:rPr lang="en-US" dirty="0" smtClean="0">
+                <a:latin typeface="微软雅黑" panose="020B0503020204020204" pitchFamily="34" charset="-122"/>
+                <a:ea typeface="微软雅黑" panose="020B0503020204020204" pitchFamily="34" charset="-122"/>
+              </a:rPr>
+              <a:t>is </a:t>
+            </a:r>
+            <a:r>
+              <a:rPr lang="en-US" dirty="0">
+                <a:latin typeface="微软雅黑" panose="020B0503020204020204" pitchFamily="34" charset="-122"/>
+                <a:ea typeface="微软雅黑" panose="020B0503020204020204" pitchFamily="34" charset="-122"/>
+              </a:rPr>
+              <a:t>to make writing good </a:t>
+            </a:r>
+            <a:r>
+              <a:rPr lang="en-US" dirty="0" smtClean="0">
+                <a:latin typeface="微软雅黑" panose="020B0503020204020204" pitchFamily="34" charset="-122"/>
+                <a:ea typeface="微软雅黑" panose="020B0503020204020204" pitchFamily="34" charset="-122"/>
+              </a:rPr>
+              <a:t>programs </a:t>
+            </a:r>
+            <a:r>
+              <a:rPr lang="en-US" dirty="0">
+                <a:latin typeface="微软雅黑" panose="020B0503020204020204" pitchFamily="34" charset="-122"/>
+                <a:ea typeface="微软雅黑" panose="020B0503020204020204" pitchFamily="34" charset="-122"/>
+              </a:rPr>
+              <a:t>easier and more pleasant for the </a:t>
+            </a:r>
+            <a:r>
+              <a:rPr lang="en-US" dirty="0" smtClean="0">
+                <a:latin typeface="微软雅黑" panose="020B0503020204020204" pitchFamily="34" charset="-122"/>
+                <a:ea typeface="微软雅黑" panose="020B0503020204020204" pitchFamily="34" charset="-122"/>
+              </a:rPr>
+              <a:t>Windows platform </a:t>
+            </a:r>
+            <a:r>
+              <a:rPr lang="en-US" dirty="0">
+                <a:latin typeface="微软雅黑" panose="020B0503020204020204" pitchFamily="34" charset="-122"/>
+                <a:ea typeface="微软雅黑" panose="020B0503020204020204" pitchFamily="34" charset="-122"/>
+              </a:rPr>
+              <a:t>programmer</a:t>
+            </a:r>
+            <a:r>
+              <a:rPr lang="en-US" dirty="0" smtClean="0">
+                <a:latin typeface="微软雅黑" panose="020B0503020204020204" pitchFamily="34" charset="-122"/>
+                <a:ea typeface="微软雅黑" panose="020B0503020204020204" pitchFamily="34" charset="-122"/>
+              </a:rPr>
+              <a:t>.</a:t>
+            </a:r>
+            <a:endParaRPr lang="en-US" dirty="0">
+              <a:latin typeface="微软雅黑" panose="020B0503020204020204" pitchFamily="34" charset="-122"/>
+              <a:ea typeface="微软雅黑" panose="020B0503020204020204" pitchFamily="34" charset="-122"/>
+            </a:endParaRPr>
+          </a:p>
+          <a:p>
+            <a:pPr marL="0" indent="0">
+              <a:buNone/>
+            </a:pPr>
+            <a:r>
+              <a:rPr lang="en-US" dirty="0" smtClean="0">
+                <a:latin typeface="微软雅黑" panose="020B0503020204020204" pitchFamily="34" charset="-122"/>
+                <a:ea typeface="微软雅黑" panose="020B0503020204020204" pitchFamily="34" charset="-122"/>
+              </a:rPr>
+              <a:t>    By </a:t>
+            </a:r>
+            <a:r>
+              <a:rPr lang="en-US" dirty="0">
+                <a:latin typeface="微软雅黑" panose="020B0503020204020204" pitchFamily="34" charset="-122"/>
+                <a:ea typeface="微软雅黑" panose="020B0503020204020204" pitchFamily="34" charset="-122"/>
+              </a:rPr>
+              <a:t>learning </a:t>
+            </a:r>
+            <a:r>
+              <a:rPr lang="en-US" dirty="0" smtClean="0">
+                <a:latin typeface="微软雅黑" panose="020B0503020204020204" pitchFamily="34" charset="-122"/>
+                <a:ea typeface="微软雅黑" panose="020B0503020204020204" pitchFamily="34" charset="-122"/>
+              </a:rPr>
+              <a:t>this course, </a:t>
+            </a:r>
+            <a:r>
+              <a:rPr lang="en-US" dirty="0">
+                <a:latin typeface="微软雅黑" panose="020B0503020204020204" pitchFamily="34" charset="-122"/>
+                <a:ea typeface="微软雅黑" panose="020B0503020204020204" pitchFamily="34" charset="-122"/>
+              </a:rPr>
+              <a:t>you </a:t>
+            </a:r>
+            <a:r>
+              <a:rPr lang="en-US" dirty="0" smtClean="0">
+                <a:latin typeface="微软雅黑" panose="020B0503020204020204" pitchFamily="34" charset="-122"/>
+                <a:ea typeface="微软雅黑" panose="020B0503020204020204" pitchFamily="34" charset="-122"/>
+              </a:rPr>
+              <a:t>will be training with up-to-date technology, including </a:t>
+            </a:r>
+            <a:r>
+              <a:rPr lang="en-US" dirty="0" err="1" smtClean="0">
+                <a:latin typeface="微软雅黑" panose="020B0503020204020204" pitchFamily="34" charset="-122"/>
+                <a:ea typeface="微软雅黑" panose="020B0503020204020204" pitchFamily="34" charset="-122"/>
+              </a:rPr>
+              <a:t>uwp</a:t>
+            </a:r>
+            <a:r>
+              <a:rPr lang="en-US" dirty="0" smtClean="0">
+                <a:latin typeface="微软雅黑" panose="020B0503020204020204" pitchFamily="34" charset="-122"/>
+                <a:ea typeface="微软雅黑" panose="020B0503020204020204" pitchFamily="34" charset="-122"/>
+              </a:rPr>
+              <a:t>, fluent design, </a:t>
+            </a:r>
+            <a:r>
+              <a:rPr lang="en-US" dirty="0" err="1" smtClean="0">
+                <a:latin typeface="微软雅黑" panose="020B0503020204020204" pitchFamily="34" charset="-122"/>
+                <a:ea typeface="微软雅黑" panose="020B0503020204020204" pitchFamily="34" charset="-122"/>
+              </a:rPr>
+              <a:t>c++</a:t>
+            </a:r>
+            <a:r>
+              <a:rPr lang="en-US" dirty="0" smtClean="0">
+                <a:latin typeface="微软雅黑" panose="020B0503020204020204" pitchFamily="34" charset="-122"/>
+                <a:ea typeface="微软雅黑" panose="020B0503020204020204" pitchFamily="34" charset="-122"/>
+              </a:rPr>
+              <a:t>/</a:t>
+            </a:r>
+            <a:r>
+              <a:rPr lang="en-US" dirty="0" err="1" smtClean="0">
+                <a:latin typeface="微软雅黑" panose="020B0503020204020204" pitchFamily="34" charset="-122"/>
+                <a:ea typeface="微软雅黑" panose="020B0503020204020204" pitchFamily="34" charset="-122"/>
+              </a:rPr>
+              <a:t>winRt</a:t>
+            </a:r>
+            <a:r>
+              <a:rPr lang="en-US" dirty="0">
+                <a:latin typeface="微软雅黑" panose="020B0503020204020204" pitchFamily="34" charset="-122"/>
+                <a:ea typeface="微软雅黑" panose="020B0503020204020204" pitchFamily="34" charset="-122"/>
+              </a:rPr>
+              <a:t>, </a:t>
+            </a:r>
+            <a:r>
+              <a:rPr lang="en-US" dirty="0" err="1" smtClean="0">
+                <a:latin typeface="微软雅黑" panose="020B0503020204020204" pitchFamily="34" charset="-122"/>
+                <a:ea typeface="微软雅黑" panose="020B0503020204020204" pitchFamily="34" charset="-122"/>
+              </a:rPr>
+              <a:t>etc</a:t>
+            </a:r>
+            <a:r>
+              <a:rPr lang="en-US" dirty="0" smtClean="0">
+                <a:latin typeface="微软雅黑" panose="020B0503020204020204" pitchFamily="34" charset="-122"/>
+                <a:ea typeface="微软雅黑" panose="020B0503020204020204" pitchFamily="34" charset="-122"/>
+              </a:rPr>
+              <a:t>, to </a:t>
+            </a:r>
+            <a:r>
+              <a:rPr lang="en-US" dirty="0">
+                <a:latin typeface="微软雅黑" panose="020B0503020204020204" pitchFamily="34" charset="-122"/>
+                <a:ea typeface="微软雅黑" panose="020B0503020204020204" pitchFamily="34" charset="-122"/>
+              </a:rPr>
+              <a:t>create stunning modern </a:t>
+            </a:r>
+            <a:r>
+              <a:rPr lang="en-US" dirty="0" smtClean="0">
+                <a:latin typeface="微软雅黑" panose="020B0503020204020204" pitchFamily="34" charset="-122"/>
+                <a:ea typeface="微软雅黑" panose="020B0503020204020204" pitchFamily="34" charset="-122"/>
+              </a:rPr>
+              <a:t>windows applications, using </a:t>
+            </a:r>
+            <a:r>
+              <a:rPr lang="en-US" dirty="0">
+                <a:latin typeface="微软雅黑" panose="020B0503020204020204" pitchFamily="34" charset="-122"/>
+                <a:ea typeface="微软雅黑" panose="020B0503020204020204" pitchFamily="34" charset="-122"/>
+              </a:rPr>
+              <a:t>a suite of collaborative </a:t>
+            </a:r>
+            <a:r>
+              <a:rPr lang="en-US" dirty="0" smtClean="0">
+                <a:latin typeface="微软雅黑" panose="020B0503020204020204" pitchFamily="34" charset="-122"/>
+                <a:ea typeface="微软雅黑" panose="020B0503020204020204" pitchFamily="34" charset="-122"/>
+              </a:rPr>
+              <a:t>tools. These </a:t>
+            </a:r>
+            <a:r>
+              <a:rPr lang="en-US" dirty="0">
+                <a:latin typeface="微软雅黑" panose="020B0503020204020204" pitchFamily="34" charset="-122"/>
+                <a:ea typeface="微软雅黑" panose="020B0503020204020204" pitchFamily="34" charset="-122"/>
+              </a:rPr>
+              <a:t>learning opportunities can help you get started </a:t>
+            </a:r>
+            <a:r>
+              <a:rPr lang="en-US" dirty="0" smtClean="0">
+                <a:latin typeface="微软雅黑" panose="020B0503020204020204" pitchFamily="34" charset="-122"/>
+                <a:ea typeface="微软雅黑" panose="020B0503020204020204" pitchFamily="34" charset="-122"/>
+              </a:rPr>
+              <a:t>quickly — from exploration </a:t>
+            </a:r>
+            <a:r>
+              <a:rPr lang="en-US" dirty="0">
+                <a:latin typeface="微软雅黑" panose="020B0503020204020204" pitchFamily="34" charset="-122"/>
+                <a:ea typeface="微软雅黑" panose="020B0503020204020204" pitchFamily="34" charset="-122"/>
+              </a:rPr>
+              <a:t>to deep </a:t>
+            </a:r>
+            <a:r>
+              <a:rPr lang="en-US" dirty="0" smtClean="0">
+                <a:latin typeface="微软雅黑" panose="020B0503020204020204" pitchFamily="34" charset="-122"/>
+                <a:ea typeface="微软雅黑" panose="020B0503020204020204" pitchFamily="34" charset="-122"/>
+              </a:rPr>
+              <a:t>training.</a:t>
+            </a:r>
+            <a:endParaRPr lang="en-US" dirty="0" smtClean="0">
+              <a:latin typeface="微软雅黑" panose="020B0503020204020204" pitchFamily="34" charset="-122"/>
+              <a:ea typeface="微软雅黑" panose="020B0503020204020204" pitchFamily="34" charset="-122"/>
+            </a:endParaRPr>
           </a:p>
         </p:txBody>
       </p:sp>
@@ -20502,7 +20774,9 @@
           </a:xfrm>
         </p:spPr>
         <p:txBody>
-          <a:bodyPr/>
+          <a:bodyPr>
+            <a:normAutofit fontScale="92500" lnSpcReduction="20000"/>
+          </a:bodyPr>
           <a:lstStyle/>
           <a:p>
             <a:r>
@@ -21989,14 +22263,7 @@
                 <a:latin typeface="微软雅黑" panose="020B0503020204020204" pitchFamily="34" charset="-122"/>
                 <a:ea typeface="微软雅黑" panose="020B0503020204020204" pitchFamily="34" charset="-122"/>
               </a:rPr>
-              <a:t> 回</a:t>
-            </a:r>
-            <a:r>
-              <a:rPr lang="zh-CN" altLang="en-US" sz="4400" dirty="0" smtClean="0">
-                <a:latin typeface="微软雅黑" panose="020B0503020204020204" pitchFamily="34" charset="-122"/>
-                <a:ea typeface="微软雅黑" panose="020B0503020204020204" pitchFamily="34" charset="-122"/>
-              </a:rPr>
-              <a:t>调函数</a:t>
+              <a:t> 回调函数</a:t>
             </a:r>
           </a:p>
           <a:p>
@@ -22006,14 +22273,7 @@
                 <a:latin typeface="微软雅黑" panose="020B0503020204020204" pitchFamily="34" charset="-122"/>
                 <a:ea typeface="微软雅黑" panose="020B0503020204020204" pitchFamily="34" charset="-122"/>
               </a:rPr>
-              <a:t> 服务程序</a:t>
-            </a:r>
-            <a:r>
-              <a:rPr lang="zh-CN" altLang="en-US" sz="4400" dirty="0" smtClean="0">
-                <a:latin typeface="微软雅黑" panose="020B0503020204020204" pitchFamily="34" charset="-122"/>
-                <a:ea typeface="微软雅黑" panose="020B0503020204020204" pitchFamily="34" charset="-122"/>
-              </a:rPr>
-              <a:t>开发</a:t>
+              <a:t> 服务程序开发</a:t>
             </a:r>
             <a:endParaRPr lang="en-US" altLang="zh-CN" sz="4400" dirty="0" smtClean="0">
               <a:latin typeface="微软雅黑" panose="020B0503020204020204" pitchFamily="34" charset="-122"/>
@@ -22357,11 +22617,7 @@
             <a:pPr lvl="1"/>
             <a:r>
               <a:rPr lang="en-US" dirty="0" smtClean="0"/>
-              <a:t>Individual/group </a:t>
-            </a:r>
-            <a:r>
-              <a:rPr lang="en-US" dirty="0" smtClean="0"/>
-              <a:t>projects, maybe employ </a:t>
+              <a:t>Individual/group projects, maybe employ </a:t>
             </a:r>
             <a:r>
               <a:rPr lang="en-US" dirty="0" err="1" smtClean="0"/>
@@ -22371,7 +22627,6 @@
               <a:rPr lang="en-US" dirty="0" smtClean="0"/>
               <a:t> classroom</a:t>
             </a:r>
-            <a:endParaRPr lang="en-US" dirty="0" smtClean="0"/>
           </a:p>
           <a:p>
             <a:pPr lvl="1"/>
@@ -23188,6 +23443,21 @@
 </file>
 
 <file path=customXml/item1.xml><?xml version="1.0" encoding="utf-8"?>
+<p:properties xmlns:p="http://schemas.microsoft.com/office/2006/metadata/properties" xmlns:xsi="http://www.w3.org/2001/XMLSchema-instance" xmlns:pc="http://schemas.microsoft.com/office/infopath/2007/PartnerControls">
+  <documentManagement/>
+</p:properties>
+</file>
+
+<file path=customXml/item2.xml><?xml version="1.0" encoding="utf-8"?>
+<?mso-contentType ?>
+<FormTemplates xmlns="http://schemas.microsoft.com/sharepoint/v3/contenttype/forms">
+  <Display>DocumentLibraryForm</Display>
+  <Edit>DocumentLibraryForm</Edit>
+  <New>DocumentLibraryForm</New>
+</FormTemplates>
+</file>
+
+<file path=customXml/item3.xml><?xml version="1.0" encoding="utf-8"?>
 <ct:contentTypeSchema xmlns:ct="http://schemas.microsoft.com/office/2006/metadata/contentType" xmlns:ma="http://schemas.microsoft.com/office/2006/metadata/properties/metaAttributes" ct:_="" ma:_="" ma:contentTypeName="Document" ma:contentTypeID="0x0101007C1D5F340F01F94FA2FD29A5E6DC872E" ma:contentTypeVersion="0" ma:contentTypeDescription="Create a new document." ma:contentTypeScope="" ma:versionID="f583bd66513a361a730282b6a794e352">
   <xsd:schema xmlns:xsd="http://www.w3.org/2001/XMLSchema" xmlns:xs="http://www.w3.org/2001/XMLSchema" xmlns:p="http://schemas.microsoft.com/office/2006/metadata/properties" targetNamespace="http://schemas.microsoft.com/office/2006/metadata/properties" ma:root="true" ma:fieldsID="6841151cf538834e171094e4faaf2d73">
     <xsd:element name="properties">
@@ -23301,32 +23571,10 @@
 </ct:contentTypeSchema>
 </file>
 
-<file path=customXml/item2.xml><?xml version="1.0" encoding="utf-8"?>
-<?mso-contentType ?>
-<FormTemplates xmlns="http://schemas.microsoft.com/sharepoint/v3/contenttype/forms">
-  <Display>DocumentLibraryForm</Display>
-  <Edit>DocumentLibraryForm</Edit>
-  <New>DocumentLibraryForm</New>
-</FormTemplates>
-</file>
-
-<file path=customXml/item3.xml><?xml version="1.0" encoding="utf-8"?>
-<p:properties xmlns:p="http://schemas.microsoft.com/office/2006/metadata/properties" xmlns:xsi="http://www.w3.org/2001/XMLSchema-instance" xmlns:pc="http://schemas.microsoft.com/office/infopath/2007/PartnerControls">
-  <documentManagement/>
-</p:properties>
-</file>
-
 <file path=customXml/itemProps1.xml><?xml version="1.0" encoding="utf-8"?>
-<ds:datastoreItem xmlns:ds="http://schemas.openxmlformats.org/officeDocument/2006/customXml" ds:itemID="{D1FC5151-73AF-4992-B300-816A43C7C293}">
+<ds:datastoreItem xmlns:ds="http://schemas.openxmlformats.org/officeDocument/2006/customXml" ds:itemID="{CA7F0F3B-1D69-4071-934C-7373F1C638FD}">
   <ds:schemaRefs>
-    <ds:schemaRef ds:uri="http://schemas.microsoft.com/office/2006/metadata/contentType"/>
-    <ds:schemaRef ds:uri="http://schemas.microsoft.com/office/2006/metadata/properties/metaAttributes"/>
-    <ds:schemaRef ds:uri="http://www.w3.org/2001/XMLSchema"/>
     <ds:schemaRef ds:uri="http://schemas.microsoft.com/office/2006/metadata/properties"/>
-    <ds:schemaRef ds:uri="http://schemas.openxmlformats.org/package/2006/metadata/core-properties"/>
-    <ds:schemaRef ds:uri="http://purl.org/dc/elements/1.1/"/>
-    <ds:schemaRef ds:uri="http://purl.org/dc/terms/"/>
-    <ds:schemaRef ds:uri="http://schemas.microsoft.com/internal/obd"/>
     <ds:schemaRef ds:uri="http://schemas.microsoft.com/office/infopath/2007/PartnerControls"/>
   </ds:schemaRefs>
 </ds:datastoreItem>
@@ -23341,9 +23589,16 @@
 </file>
 
 <file path=customXml/itemProps3.xml><?xml version="1.0" encoding="utf-8"?>
-<ds:datastoreItem xmlns:ds="http://schemas.openxmlformats.org/officeDocument/2006/customXml" ds:itemID="{CA7F0F3B-1D69-4071-934C-7373F1C638FD}">
+<ds:datastoreItem xmlns:ds="http://schemas.openxmlformats.org/officeDocument/2006/customXml" ds:itemID="{D1FC5151-73AF-4992-B300-816A43C7C293}">
   <ds:schemaRefs>
+    <ds:schemaRef ds:uri="http://schemas.microsoft.com/office/2006/metadata/contentType"/>
+    <ds:schemaRef ds:uri="http://schemas.microsoft.com/office/2006/metadata/properties/metaAttributes"/>
+    <ds:schemaRef ds:uri="http://www.w3.org/2001/XMLSchema"/>
     <ds:schemaRef ds:uri="http://schemas.microsoft.com/office/2006/metadata/properties"/>
+    <ds:schemaRef ds:uri="http://schemas.openxmlformats.org/package/2006/metadata/core-properties"/>
+    <ds:schemaRef ds:uri="http://purl.org/dc/elements/1.1/"/>
+    <ds:schemaRef ds:uri="http://purl.org/dc/terms/"/>
+    <ds:schemaRef ds:uri="http://schemas.microsoft.com/internal/obd"/>
     <ds:schemaRef ds:uri="http://schemas.microsoft.com/office/infopath/2007/PartnerControls"/>
   </ds:schemaRefs>
 </ds:datastoreItem>
